--- a/lectures3/Pythonlearn-02-Expressions-PL.pptx
+++ b/lectures3/Pythonlearn-02-Expressions-PL.pptx
@@ -5837,7 +5837,7 @@
               <a:buNone/>
             </a:pPr>
             <a:r>
-              <a:rPr lang="pl" sz="7600" b="0" i="0" u="none" strike="noStrike" cap="none" baseline="0">
+              <a:rPr lang="pl" sz="7600" b="0" i="0" u="none" strike="noStrike" cap="none" baseline="0" dirty="0">
                 <a:solidFill>
                   <a:srgbClr val="FFD966"/>
                 </a:solidFill>

--- a/lectures3/Pythonlearn-02-Expressions-PL.pptx
+++ b/lectures3/Pythonlearn-02-Expressions-PL.pptx
@@ -585,27 +585,66 @@
               <a:buNone/>
             </a:pPr>
             <a:r>
-              <a:rPr lang="pl" b="0" i="0" u="none" baseline="0">
+              <a:rPr lang="pl" b="0" i="0" u="none" baseline="0" dirty="0">
                 <a:solidFill>
                   <a:schemeClr val="dk2"/>
                 </a:solidFill>
               </a:rPr>
-              <a:t>Notka od Chucka  Używając tych materiałów masz prawo usunąć logo UM i zastąpić je własnym ale zostaw proszę logo CC-BY na pierwszej stronie oraz strony z podziękowaniami dla współtwórców.</a:t>
+              <a:t>Notka od Chucka</a:t>
+            </a:r>
+            <a:r>
+              <a:rPr lang="en-US" b="0" i="0" u="none" baseline="0" dirty="0">
+                <a:solidFill>
+                  <a:schemeClr val="dk2"/>
+                </a:solidFill>
+              </a:rPr>
+              <a:t>:</a:t>
+            </a:r>
+            <a:r>
+              <a:rPr lang="pl" b="0" i="0" u="none" baseline="0" dirty="0">
+                <a:solidFill>
+                  <a:schemeClr val="dk2"/>
+                </a:solidFill>
+              </a:rPr>
+              <a:t> </a:t>
+            </a:r>
+            <a:r>
+              <a:rPr lang="en-US" b="0" i="0" u="none" baseline="0" dirty="0" err="1">
+                <a:solidFill>
+                  <a:schemeClr val="dk2"/>
+                </a:solidFill>
+              </a:rPr>
+              <a:t>uż</a:t>
+            </a:r>
+            <a:r>
+              <a:rPr lang="pl" b="0" i="0" u="none" baseline="0" dirty="0">
+                <a:solidFill>
+                  <a:schemeClr val="dk2"/>
+                </a:solidFill>
+              </a:rPr>
+              <a:t>ywając tych materiałów masz prawo usunąć logo UM i zastąpić je własnym</a:t>
+            </a:r>
+            <a:r>
+              <a:rPr lang="en-US" b="0" i="0" u="none" baseline="0" dirty="0">
+                <a:solidFill>
+                  <a:schemeClr val="dk2"/>
+                </a:solidFill>
+              </a:rPr>
+              <a:t>,</a:t>
+            </a:r>
+            <a:r>
+              <a:rPr lang="pl" b="0" i="0" u="none" baseline="0" dirty="0">
+                <a:solidFill>
+                  <a:schemeClr val="dk2"/>
+                </a:solidFill>
+              </a:rPr>
+              <a:t> ale zostaw proszę logo CC-BY na pierwszej stronie oraz strony z podziękowaniami dla współtwórców.</a:t>
             </a:r>
             <a:endParaRPr lang="pl" dirty="0">
               <a:solidFill>
                 <a:schemeClr val="dk2"/>
               </a:solidFill>
             </a:endParaRPr>
-          </a:p>
-          <a:p>
-            <a:pPr lvl="0" algn="l" rtl="0">
-              <a:spcBef>
-                <a:spcPts val="0"/>
-              </a:spcBef>
-              <a:buNone/>
-            </a:pPr>
-            <a:endParaRPr dirty="0"/>
           </a:p>
         </p:txBody>
       </p:sp>
@@ -7768,7 +7807,7 @@
                 <a:cs typeface="Arial" charset="0"/>
                 <a:sym typeface="Cabin"/>
               </a:rPr>
-              <a:t> ze zmiennej</a:t>
+              <a:t>ze zmiennej</a:t>
             </a:r>
             <a:r>
               <a:rPr lang="pl" sz="3600" b="0" i="0" u="none" strike="noStrike" cap="none" baseline="0" dirty="0">
@@ -15108,7 +15147,43 @@
                 <a:cs typeface="Arial" charset="0"/>
                 <a:sym typeface="Cabin"/>
               </a:rPr>
-              <a:t>takie jak liczby, litery i ciągi znaków nazywane są </a:t>
+              <a:t>takie jak liczby, litery i </a:t>
+            </a:r>
+            <a:r>
+              <a:rPr lang="pl-PL" sz="3600" b="0" i="0" u="none" strike="noStrike" cap="none" baseline="0" dirty="0">
+                <a:solidFill>
+                  <a:srgbClr val="FFFFFF"/>
+                </a:solidFill>
+                <a:latin typeface="Arial" charset="0"/>
+                <a:ea typeface="Arial" charset="0"/>
+                <a:cs typeface="Arial" charset="0"/>
+                <a:sym typeface="Cabin"/>
+              </a:rPr>
+              <a:t>napisy</a:t>
+            </a:r>
+            <a:r>
+              <a:rPr lang="en-US" sz="3600" b="0" i="0" u="none" strike="noStrike" cap="none" baseline="0" dirty="0">
+                <a:solidFill>
+                  <a:srgbClr val="FFFFFF"/>
+                </a:solidFill>
+                <a:latin typeface="Arial" charset="0"/>
+                <a:ea typeface="Arial" charset="0"/>
+                <a:cs typeface="Arial" charset="0"/>
+                <a:sym typeface="Cabin"/>
+              </a:rPr>
+              <a:t> </a:t>
+            </a:r>
+            <a:r>
+              <a:rPr lang="pl" sz="3600" b="0" i="0" u="none" strike="noStrike" cap="none" baseline="0" dirty="0">
+                <a:solidFill>
+                  <a:srgbClr val="FFFFFF"/>
+                </a:solidFill>
+                <a:latin typeface="Arial" charset="0"/>
+                <a:ea typeface="Arial" charset="0"/>
+                <a:cs typeface="Arial" charset="0"/>
+                <a:sym typeface="Cabin"/>
+              </a:rPr>
+              <a:t>nazywane są </a:t>
             </a:r>
             <a:r>
               <a:rPr lang="pl" sz="3600" b="0" i="0" u="none" strike="noStrike" cap="none" baseline="0" dirty="0">
@@ -15269,7 +15344,7 @@
               <a:t>Zapis stałych </a:t>
             </a:r>
             <a:r>
-              <a:rPr lang="pl" sz="3600" b="0" i="0" u="none" strike="noStrike" cap="none" baseline="0" dirty="0">
+              <a:rPr lang="en-US" sz="3600" b="0" i="0" u="none" strike="noStrike" cap="none" baseline="0" dirty="0" err="1">
                 <a:solidFill>
                   <a:srgbClr val="FF9900"/>
                 </a:solidFill>
@@ -15278,7 +15353,7 @@
                 <a:cs typeface="Arial" charset="0"/>
                 <a:sym typeface="Cabin"/>
               </a:rPr>
-              <a:t>ciągów</a:t>
+              <a:t>napisów</a:t>
             </a:r>
             <a:r>
               <a:rPr lang="pl" sz="3600" b="0" i="0" u="none" strike="noStrike" cap="none" baseline="0" dirty="0">
@@ -17638,8 +17713,29 @@
                 <a:cs typeface="Arial" charset="0"/>
                 <a:sym typeface="Cabin"/>
               </a:rPr>
-              <a:t> w przypadku ciągu znaków </a:t>
-            </a:r>
+              <a:t> w przypadku </a:t>
+            </a:r>
+            <a:r>
+              <a:rPr lang="en-US" sz="3600" b="0" i="0" u="none" strike="noStrike" cap="none" baseline="0" dirty="0" err="1">
+                <a:solidFill>
+                  <a:schemeClr val="lt1"/>
+                </a:solidFill>
+                <a:latin typeface="Arial" charset="0"/>
+                <a:ea typeface="Arial" charset="0"/>
+                <a:cs typeface="Arial" charset="0"/>
+                <a:sym typeface="Cabin"/>
+              </a:rPr>
+              <a:t>napisów</a:t>
+            </a:r>
+            <a:endParaRPr lang="pl" sz="3600" b="0" i="0" u="none" strike="noStrike" cap="none" baseline="0" dirty="0">
+              <a:solidFill>
+                <a:schemeClr val="lt1"/>
+              </a:solidFill>
+              <a:latin typeface="Arial" charset="0"/>
+              <a:ea typeface="Arial" charset="0"/>
+              <a:cs typeface="Arial" charset="0"/>
+              <a:sym typeface="Cabin"/>
+            </a:endParaRPr>
           </a:p>
         </p:txBody>
       </p:sp>
@@ -18230,8 +18326,29 @@
                 <a:cs typeface="Arial" charset="0"/>
                 <a:sym typeface="Cabin"/>
               </a:rPr>
-              <a:t> do ciągu znaków</a:t>
-            </a:r>
+              <a:t> do </a:t>
+            </a:r>
+            <a:r>
+              <a:rPr lang="en-US" sz="3600" b="0" i="0" u="none" strike="noStrike" cap="none" baseline="0" dirty="0" err="1">
+                <a:solidFill>
+                  <a:srgbClr val="00FFFF"/>
+                </a:solidFill>
+                <a:latin typeface="Arial" charset="0"/>
+                <a:ea typeface="Arial" charset="0"/>
+                <a:cs typeface="Arial" charset="0"/>
+                <a:sym typeface="Cabin"/>
+              </a:rPr>
+              <a:t>napisu</a:t>
+            </a:r>
+            <a:endParaRPr lang="pl" sz="3600" b="0" i="0" u="none" strike="noStrike" cap="none" baseline="0" dirty="0">
+              <a:solidFill>
+                <a:srgbClr val="00FFFF"/>
+              </a:solidFill>
+              <a:latin typeface="Arial" charset="0"/>
+              <a:ea typeface="Arial" charset="0"/>
+              <a:cs typeface="Arial" charset="0"/>
+              <a:sym typeface="Cabin"/>
+            </a:endParaRPr>
           </a:p>
           <a:p>
             <a:pPr marL="749300" marR="0" lvl="0" indent="-371094" algn="l" rtl="0">
@@ -22711,8 +22828,29 @@
                 <a:cs typeface="Arial" charset="0"/>
                 <a:sym typeface="Cabin"/>
               </a:rPr>
-              <a:t> zwraca ciąg znaków</a:t>
-            </a:r>
+              <a:t> zwraca </a:t>
+            </a:r>
+            <a:r>
+              <a:rPr lang="en-US" sz="3800" b="0" i="0" u="none" strike="noStrike" cap="none" baseline="0" dirty="0" err="1">
+                <a:solidFill>
+                  <a:schemeClr val="lt1"/>
+                </a:solidFill>
+                <a:latin typeface="Arial" charset="0"/>
+                <a:ea typeface="Arial" charset="0"/>
+                <a:cs typeface="Arial" charset="0"/>
+                <a:sym typeface="Cabin"/>
+              </a:rPr>
+              <a:t>napis</a:t>
+            </a:r>
+            <a:endParaRPr lang="pl" sz="3800" b="0" i="0" u="none" strike="noStrike" cap="none" baseline="0" dirty="0">
+              <a:solidFill>
+                <a:schemeClr val="lt1"/>
+              </a:solidFill>
+              <a:latin typeface="Arial" charset="0"/>
+              <a:ea typeface="Arial" charset="0"/>
+              <a:cs typeface="Arial" charset="0"/>
+              <a:sym typeface="Cabin"/>
+            </a:endParaRPr>
           </a:p>
         </p:txBody>
       </p:sp>
@@ -23208,7 +23346,43 @@
                 <a:cs typeface="Arial" charset="0"/>
                 <a:sym typeface="Cabin"/>
               </a:rPr>
-              <a:t>Jeśli chcemy odczytać liczbę wprowadzoną przez użytkownika, musimy skonwertować ciąg znaków na liczbę za pomocą funkcji konwersji.</a:t>
+              <a:t>Jeśli chcemy odczytać liczbę wprowadzoną przez użytkownika, musimy skonwertować </a:t>
+            </a:r>
+            <a:r>
+              <a:rPr lang="pl-PL" sz="3800" b="0" i="0" u="none" strike="noStrike" cap="none" baseline="0" dirty="0">
+                <a:solidFill>
+                  <a:schemeClr val="lt1"/>
+                </a:solidFill>
+                <a:latin typeface="Arial" charset="0"/>
+                <a:ea typeface="Arial" charset="0"/>
+                <a:cs typeface="Arial" charset="0"/>
+                <a:sym typeface="Cabin"/>
+              </a:rPr>
+              <a:t>napis</a:t>
+            </a:r>
+            <a:r>
+              <a:rPr lang="en-US" sz="3800" b="0" i="0" u="none" strike="noStrike" cap="none" baseline="0" dirty="0">
+                <a:solidFill>
+                  <a:schemeClr val="lt1"/>
+                </a:solidFill>
+                <a:latin typeface="Arial" charset="0"/>
+                <a:ea typeface="Arial" charset="0"/>
+                <a:cs typeface="Arial" charset="0"/>
+                <a:sym typeface="Cabin"/>
+              </a:rPr>
+              <a:t> </a:t>
+            </a:r>
+            <a:r>
+              <a:rPr lang="pl" sz="3800" b="0" i="0" u="none" strike="noStrike" cap="none" baseline="0" dirty="0">
+                <a:solidFill>
+                  <a:schemeClr val="lt1"/>
+                </a:solidFill>
+                <a:latin typeface="Arial" charset="0"/>
+                <a:ea typeface="Arial" charset="0"/>
+                <a:cs typeface="Arial" charset="0"/>
+                <a:sym typeface="Cabin"/>
+              </a:rPr>
+              <a:t>na liczbę za pomocą funkcji konwersji.</a:t>
             </a:r>
           </a:p>
           <a:p>
@@ -26673,7 +26847,7 @@
                 <a:cs typeface="Arial" charset="0"/>
                 <a:sym typeface="Cabin"/>
               </a:rPr>
-              <a:t>tej zmiennej.</a:t>
+              <a:t>tej zmiennej</a:t>
             </a:r>
           </a:p>
           <a:p>
@@ -28358,7 +28532,7 @@
           <a:p>
             <a:pPr algn="l" rtl="0"/>
             <a:r>
-              <a:rPr lang="pl" sz="3600" b="0" i="0" u="none" baseline="0">
+              <a:rPr lang="pl" sz="3600" b="0" i="0" u="none" baseline="0" dirty="0">
                 <a:solidFill>
                   <a:srgbClr val="00FA00"/>
                 </a:solidFill>
@@ -28369,7 +28543,7 @@
               <a:t>Dobre:    </a:t>
             </a:r>
             <a:r>
-              <a:rPr lang="pl" sz="3600" b="0" i="0" u="none" baseline="0">
+              <a:rPr lang="pl" sz="3600" b="0" i="0" u="none" baseline="0" dirty="0">
                 <a:solidFill>
                   <a:schemeClr val="bg1"/>
                 </a:solidFill>
@@ -28377,13 +28551,13 @@
                 <a:ea typeface="Courier" charset="0"/>
                 <a:cs typeface="Courier" charset="0"/>
               </a:rPr>
-              <a:t>spam    eggs   spam23    _speed</a:t>
+              <a:t>spam    eggs   spam23   _speed</a:t>
             </a:r>
           </a:p>
           <a:p>
             <a:pPr algn="l" rtl="0"/>
             <a:r>
-              <a:rPr lang="pl" sz="3600" b="0" i="0" u="none" baseline="0">
+              <a:rPr lang="pl" sz="3600" b="0" i="0" u="none" baseline="0" dirty="0">
                 <a:solidFill>
                   <a:srgbClr val="FF545A"/>
                 </a:solidFill>
@@ -28394,7 +28568,7 @@
               <a:t>Złe:</a:t>
             </a:r>
             <a:r>
-              <a:rPr lang="pl" sz="3600" b="0" i="0" u="none" baseline="0">
+              <a:rPr lang="pl" sz="3600" b="0" i="0" u="none" baseline="0" dirty="0">
                 <a:solidFill>
                   <a:srgbClr val="FF0000"/>
                 </a:solidFill>
@@ -28405,7 +28579,7 @@
               <a:t>     </a:t>
             </a:r>
             <a:r>
-              <a:rPr lang="pl" sz="3600" b="0" i="0" u="none" baseline="0">
+              <a:rPr lang="pl" sz="3600" b="0" i="0" u="none" baseline="0" dirty="0">
                 <a:solidFill>
                   <a:schemeClr val="bg1"/>
                 </a:solidFill>
@@ -28413,13 +28587,13 @@
                 <a:ea typeface="Courier" charset="0"/>
                 <a:cs typeface="Courier" charset="0"/>
               </a:rPr>
-              <a:t>23spam     #sign  var.12</a:t>
+              <a:t>23spam   #sign  var.12</a:t>
             </a:r>
           </a:p>
           <a:p>
             <a:pPr algn="l" rtl="0"/>
             <a:r>
-              <a:rPr lang="pl" sz="3600" b="0" i="0" u="none" baseline="0">
+              <a:rPr lang="pl" sz="3600" b="0" i="0" u="none" baseline="0" dirty="0">
                 <a:solidFill>
                   <a:srgbClr val="00FDFF"/>
                 </a:solidFill>
@@ -28430,7 +28604,7 @@
               <a:t>Różne:    </a:t>
             </a:r>
             <a:r>
-              <a:rPr lang="pl" sz="3600" b="0" i="0" u="none" baseline="0">
+              <a:rPr lang="pl" sz="3600" b="0" i="0" u="none" baseline="0" dirty="0">
                 <a:solidFill>
                   <a:schemeClr val="bg1"/>
                 </a:solidFill>
@@ -28438,7 +28612,29 @@
                 <a:ea typeface="Courier" charset="0"/>
                 <a:cs typeface="Courier" charset="0"/>
               </a:rPr>
-              <a:t>spam   Spam   SPAM</a:t>
+              <a:t>spam   </a:t>
+            </a:r>
+            <a:r>
+              <a:rPr lang="en-US" sz="3600" b="0" i="0" u="none" baseline="0" dirty="0">
+                <a:solidFill>
+                  <a:schemeClr val="bg1"/>
+                </a:solidFill>
+                <a:latin typeface="Courier" charset="0"/>
+                <a:ea typeface="Courier" charset="0"/>
+                <a:cs typeface="Courier" charset="0"/>
+              </a:rPr>
+              <a:t> </a:t>
+            </a:r>
+            <a:r>
+              <a:rPr lang="pl" sz="3600" b="0" i="0" u="none" baseline="0" dirty="0">
+                <a:solidFill>
+                  <a:schemeClr val="bg1"/>
+                </a:solidFill>
+                <a:latin typeface="Courier" charset="0"/>
+                <a:ea typeface="Courier" charset="0"/>
+                <a:cs typeface="Courier" charset="0"/>
+              </a:rPr>
+              <a:t>Spam   SPAM</a:t>
             </a:r>
           </a:p>
         </p:txBody>
@@ -28871,7 +29067,7 @@
               <a:buNone/>
             </a:pPr>
             <a:r>
-              <a:rPr lang="pl" sz="3000" b="0" i="0" u="sng" strike="noStrike" cap="none" baseline="0">
+              <a:rPr lang="pl-PL" sz="3000" b="0" i="0" u="sng" strike="noStrike" cap="none" baseline="0" dirty="0">
                 <a:solidFill>
                   <a:srgbClr val="FFFF00"/>
                 </a:solidFill>
@@ -28881,8 +29077,18 @@
                 <a:sym typeface="Cabin"/>
                 <a:hlinkClick r:id="rId3"/>
               </a:rPr>
-              <a:t>http://en.wikipedia.org/wiki/Mnemonic </a:t>
-            </a:r>
+              <a:t>https://en.wikipedia.org/wiki/Mnemonic</a:t>
+            </a:r>
+            <a:endParaRPr lang="pl" sz="3000" b="0" i="0" u="sng" strike="noStrike" cap="none" baseline="0" dirty="0">
+              <a:solidFill>
+                <a:srgbClr val="FFFF00"/>
+              </a:solidFill>
+              <a:latin typeface="Arial" charset="0"/>
+              <a:ea typeface="Arial" charset="0"/>
+              <a:cs typeface="Arial" charset="0"/>
+              <a:sym typeface="Cabin"/>
+              <a:hlinkClick r:id="rId4"/>
+            </a:endParaRPr>
           </a:p>
         </p:txBody>
       </p:sp>
